--- a/Entrega/ICD_Final.pptx
+++ b/Entrega/ICD_Final.pptx
@@ -37,8 +37,8 @@
     <p:sldId id="348" r:id="rId25"/>
     <p:sldId id="347" r:id="rId26"/>
     <p:sldId id="349" r:id="rId27"/>
-    <p:sldId id="350" r:id="rId28"/>
-    <p:sldId id="352" r:id="rId29"/>
+    <p:sldId id="352" r:id="rId28"/>
+    <p:sldId id="350" r:id="rId29"/>
     <p:sldId id="359" r:id="rId30"/>
     <p:sldId id="351" r:id="rId31"/>
     <p:sldId id="353" r:id="rId32"/>
@@ -7710,7 +7710,7 @@
           <a:p>
             <a:fld id="{A2EB916D-07AA-5643-971A-A74D0DC15DBC}" type="datetimeFigureOut">
               <a:rPr lang="es-ES_tradnl" smtClean="0"/>
-              <a:t>8/9/21</a:t>
+              <a:t>9/9/21</a:t>
             </a:fld>
             <a:endParaRPr lang="es-ES_tradnl"/>
           </a:p>
@@ -7891,7 +7891,7 @@
           <a:p>
             <a:fld id="{E6292880-B3D3-B845-931C-A2636BFFF55F}" type="datetimeFigureOut">
               <a:rPr lang="es-ES_tradnl" smtClean="0"/>
-              <a:t>8/9/21</a:t>
+              <a:t>9/9/21</a:t>
             </a:fld>
             <a:endParaRPr lang="es-ES_tradnl"/>
           </a:p>
@@ -8312,7 +8312,7 @@
           <a:p>
             <a:fld id="{3B0C228C-6CE5-2C49-B120-001094A138D3}" type="datetime1">
               <a:rPr lang="en-US" smtClean="0"/>
-              <a:t>9/8/21</a:t>
+              <a:t>9/9/21</a:t>
             </a:fld>
             <a:endParaRPr lang="es-ES_tradnl"/>
           </a:p>
@@ -8512,7 +8512,7 @@
           <a:p>
             <a:fld id="{4DADF3B0-885F-3840-A881-93967DA9CDAC}" type="datetime1">
               <a:rPr lang="en-US" smtClean="0"/>
-              <a:t>9/8/21</a:t>
+              <a:t>9/9/21</a:t>
             </a:fld>
             <a:endParaRPr lang="es-ES_tradnl"/>
           </a:p>
@@ -8722,7 +8722,7 @@
           <a:p>
             <a:fld id="{9E82EBBF-0053-F943-A1FF-630E9C428AF7}" type="datetime1">
               <a:rPr lang="en-US" smtClean="0"/>
-              <a:t>9/8/21</a:t>
+              <a:t>9/9/21</a:t>
             </a:fld>
             <a:endParaRPr lang="es-ES_tradnl"/>
           </a:p>
@@ -8922,7 +8922,7 @@
           <a:p>
             <a:fld id="{FCA762FA-1246-8140-99B8-B60E5CA70BD1}" type="datetime1">
               <a:rPr lang="en-US" smtClean="0"/>
-              <a:t>9/8/21</a:t>
+              <a:t>9/9/21</a:t>
             </a:fld>
             <a:endParaRPr lang="es-ES_tradnl"/>
           </a:p>
@@ -9198,7 +9198,7 @@
           <a:p>
             <a:fld id="{21840BC9-B1A8-5449-849B-546AA74F028C}" type="datetime1">
               <a:rPr lang="en-US" smtClean="0"/>
-              <a:t>9/8/21</a:t>
+              <a:t>9/9/21</a:t>
             </a:fld>
             <a:endParaRPr lang="es-ES_tradnl"/>
           </a:p>
@@ -9466,7 +9466,7 @@
           <a:p>
             <a:fld id="{3333CC44-6F0A-254A-B8DE-B294DD97BDD7}" type="datetime1">
               <a:rPr lang="en-US" smtClean="0"/>
-              <a:t>9/8/21</a:t>
+              <a:t>9/9/21</a:t>
             </a:fld>
             <a:endParaRPr lang="es-ES_tradnl"/>
           </a:p>
@@ -9881,7 +9881,7 @@
           <a:p>
             <a:fld id="{9E59DE98-A58C-9B4A-B80E-FE60BE45362C}" type="datetime1">
               <a:rPr lang="en-US" smtClean="0"/>
-              <a:t>9/8/21</a:t>
+              <a:t>9/9/21</a:t>
             </a:fld>
             <a:endParaRPr lang="es-ES_tradnl"/>
           </a:p>
@@ -10023,7 +10023,7 @@
           <a:p>
             <a:fld id="{16878F61-52E1-8442-9179-5579FAC294E5}" type="datetime1">
               <a:rPr lang="en-US" smtClean="0"/>
-              <a:t>9/8/21</a:t>
+              <a:t>9/9/21</a:t>
             </a:fld>
             <a:endParaRPr lang="es-ES_tradnl"/>
           </a:p>
@@ -10136,7 +10136,7 @@
           <a:p>
             <a:fld id="{B240E30C-7765-5343-BD85-CE229323F305}" type="datetime1">
               <a:rPr lang="en-US" smtClean="0"/>
-              <a:t>9/8/21</a:t>
+              <a:t>9/9/21</a:t>
             </a:fld>
             <a:endParaRPr lang="es-ES_tradnl"/>
           </a:p>
@@ -10449,7 +10449,7 @@
           <a:p>
             <a:fld id="{681E29F5-B307-BA47-9CA4-2FD58E509E10}" type="datetime1">
               <a:rPr lang="en-US" smtClean="0"/>
-              <a:t>9/8/21</a:t>
+              <a:t>9/9/21</a:t>
             </a:fld>
             <a:endParaRPr lang="es-ES_tradnl"/>
           </a:p>
@@ -10738,7 +10738,7 @@
           <a:p>
             <a:fld id="{4AE9D30B-0F34-2D4C-BC27-17DECBC396D5}" type="datetime1">
               <a:rPr lang="en-US" smtClean="0"/>
-              <a:t>9/8/21</a:t>
+              <a:t>9/9/21</a:t>
             </a:fld>
             <a:endParaRPr lang="es-ES_tradnl"/>
           </a:p>
@@ -10981,7 +10981,7 @@
           <a:p>
             <a:fld id="{53A74D43-8959-4A41-8F86-115E0E1D81F5}" type="datetime1">
               <a:rPr lang="en-US" smtClean="0"/>
-              <a:t>9/8/21</a:t>
+              <a:t>9/9/21</a:t>
             </a:fld>
             <a:endParaRPr lang="es-ES_tradnl"/>
           </a:p>
@@ -15772,7 +15772,7 @@
         <p:spPr>
           <a:xfrm>
             <a:off x="4107928" y="330297"/>
-            <a:ext cx="3290579" cy="5779525"/>
+            <a:ext cx="3290579" cy="6026053"/>
           </a:xfrm>
           <a:prstGeom prst="rect">
             <a:avLst/>
@@ -16044,15 +16044,15 @@
             </a:pPr>
             <a:r>
               <a:rPr lang="en-US" sz="1600" dirty="0"/>
-              <a:t>El resto de las </a:t>
+              <a:t>El resto de los </a:t>
             </a:r>
             <a:r>
               <a:rPr lang="en-US" sz="1600" dirty="0" err="1"/>
-              <a:t>empresas</a:t>
+              <a:t>emprendimientos</a:t>
             </a:r>
             <a:r>
               <a:rPr lang="en-US" sz="1600" dirty="0"/>
-              <a:t> (98.66%) </a:t>
+              <a:t> (95.66%) </a:t>
             </a:r>
             <a:r>
               <a:rPr lang="en-US" sz="1600" dirty="0" err="1"/>
@@ -16076,7 +16076,7 @@
             </a:r>
             <a:r>
               <a:rPr lang="en-US" sz="1600" dirty="0"/>
-              <a:t> de 4 a 10 </a:t>
+              <a:t> de 4 a 20 </a:t>
             </a:r>
             <a:r>
               <a:rPr lang="en-US" sz="1600" dirty="0" err="1"/>
@@ -22316,7 +22316,7 @@
         <p:spPr>
           <a:xfrm>
             <a:off x="6802718" y="1680342"/>
-            <a:ext cx="4142232" cy="3693319"/>
+            <a:ext cx="4142232" cy="3139321"/>
           </a:xfrm>
           <a:prstGeom prst="rect">
             <a:avLst/>
@@ -22356,27 +22356,6 @@
             </a:r>
           </a:p>
           <a:p>
-            <a:pPr marL="285750" indent="-285750">
-              <a:buFont typeface="Wingdings" pitchFamily="2" charset="2"/>
-              <a:buChar char="v"/>
-            </a:pPr>
-            <a:endParaRPr lang="es-ES_tradnl" dirty="0"/>
-          </a:p>
-          <a:p>
-            <a:pPr marL="285750" indent="-285750">
-              <a:buFont typeface="Wingdings" pitchFamily="2" charset="2"/>
-              <a:buChar char="v"/>
-            </a:pPr>
-            <a:r>
-              <a:rPr lang="es-ES_tradnl" dirty="0"/>
-              <a:t>Lo que significa para nosotros</a:t>
-            </a:r>
-          </a:p>
-          <a:p>
-            <a:pPr marL="285750" indent="-285750">
-              <a:buFont typeface="Wingdings" pitchFamily="2" charset="2"/>
-              <a:buChar char="v"/>
-            </a:pPr>
             <a:endParaRPr lang="es-ES_tradnl" dirty="0"/>
           </a:p>
           <a:p>
@@ -24643,6 +24622,824 @@
       </p:grpSpPr>
       <p:sp useBgFill="1">
         <p:nvSpPr>
+          <p:cNvPr id="8" name="Rectangle 7">
+            <a:extLst>
+              <a:ext uri="{FF2B5EF4-FFF2-40B4-BE49-F238E27FC236}">
+                <a16:creationId xmlns:a16="http://schemas.microsoft.com/office/drawing/2014/main" id="{DEE2AD96-B495-4E06-9291-B71706F728CB}"/>
+              </a:ext>
+              <a:ext uri="{C183D7F6-B498-43B3-948B-1728B52AA6E4}">
+                <adec:decorative xmlns:adec="http://schemas.microsoft.com/office/drawing/2017/decorative" val="1"/>
+              </a:ext>
+            </a:extLst>
+          </p:cNvPr>
+          <p:cNvSpPr>
+            <a:spLocks noGrp="1" noRot="1" noChangeAspect="1" noMove="1" noResize="1" noEditPoints="1" noAdjustHandles="1" noChangeArrowheads="1" noChangeShapeType="1" noTextEdit="1"/>
+          </p:cNvSpPr>
+          <p:nvPr>
+            <p:extLst>
+              <p:ext uri="{386F3935-93C4-4BCD-93E2-E3B085C9AB24}">
+                <p16:designElem xmlns:p16="http://schemas.microsoft.com/office/powerpoint/2015/main" val="1"/>
+              </p:ext>
+            </p:extLst>
+          </p:nvPr>
+        </p:nvSpPr>
+        <p:spPr>
+          <a:xfrm>
+            <a:off x="0" y="0"/>
+            <a:ext cx="12192000" cy="6858000"/>
+          </a:xfrm>
+          <a:prstGeom prst="rect">
+            <a:avLst/>
+          </a:prstGeom>
+          <a:ln w="12700" cap="flat" cmpd="sng" algn="ctr">
+            <a:noFill/>
+            <a:prstDash val="solid"/>
+            <a:miter lim="800000"/>
+          </a:ln>
+          <a:effectLst/>
+          <a:extLst>
+            <a:ext uri="{91240B29-F687-4F45-9708-019B960494DF}">
+              <a14:hiddenLine xmlns:a14="http://schemas.microsoft.com/office/drawing/2010/main" w="12700" cap="flat" cmpd="sng" algn="ctr">
+                <a:solidFill>
+                  <a:schemeClr val="accent1">
+                    <a:shade val="50000"/>
+                  </a:schemeClr>
+                </a:solidFill>
+                <a:prstDash val="solid"/>
+                <a:miter lim="800000"/>
+              </a14:hiddenLine>
+            </a:ext>
+          </a:extLst>
+        </p:spPr>
+        <p:style>
+          <a:lnRef idx="2">
+            <a:schemeClr val="accent1">
+              <a:shade val="50000"/>
+            </a:schemeClr>
+          </a:lnRef>
+          <a:fillRef idx="1">
+            <a:schemeClr val="accent1"/>
+          </a:fillRef>
+          <a:effectRef idx="0">
+            <a:schemeClr val="accent1"/>
+          </a:effectRef>
+          <a:fontRef idx="minor">
+            <a:schemeClr val="lt1"/>
+          </a:fontRef>
+        </p:style>
+        <p:txBody>
+          <a:bodyPr rtlCol="0" anchor="ctr"/>
+          <a:lstStyle/>
+          <a:p>
+            <a:pPr algn="ctr"/>
+            <a:endParaRPr lang="en-US"/>
+          </a:p>
+        </p:txBody>
+      </p:sp>
+      <p:sp>
+        <p:nvSpPr>
+          <p:cNvPr id="10" name="Rectangle 9">
+            <a:extLst>
+              <a:ext uri="{FF2B5EF4-FFF2-40B4-BE49-F238E27FC236}">
+                <a16:creationId xmlns:a16="http://schemas.microsoft.com/office/drawing/2014/main" id="{53CF6D67-C5A8-4ADD-9E8E-1E38CA1D3166}"/>
+              </a:ext>
+              <a:ext uri="{C183D7F6-B498-43B3-948B-1728B52AA6E4}">
+                <adec:decorative xmlns:adec="http://schemas.microsoft.com/office/drawing/2017/decorative" val="1"/>
+              </a:ext>
+            </a:extLst>
+          </p:cNvPr>
+          <p:cNvSpPr>
+            <a:spLocks noGrp="1" noRot="1" noChangeAspect="1" noMove="1" noResize="1" noEditPoints="1" noAdjustHandles="1" noChangeArrowheads="1" noChangeShapeType="1" noTextEdit="1"/>
+          </p:cNvSpPr>
+          <p:nvPr>
+            <p:extLst>
+              <p:ext uri="{386F3935-93C4-4BCD-93E2-E3B085C9AB24}">
+                <p16:designElem xmlns:p16="http://schemas.microsoft.com/office/powerpoint/2015/main" val="1"/>
+              </p:ext>
+            </p:extLst>
+          </p:nvPr>
+        </p:nvSpPr>
+        <p:spPr>
+          <a:xfrm rot="5400000" flipH="1">
+            <a:off x="-638515" y="639280"/>
+            <a:ext cx="6858000" cy="5579440"/>
+          </a:xfrm>
+          <a:prstGeom prst="rect">
+            <a:avLst/>
+          </a:prstGeom>
+          <a:gradFill>
+            <a:gsLst>
+              <a:gs pos="8000">
+                <a:srgbClr val="000000"/>
+              </a:gs>
+              <a:gs pos="100000">
+                <a:schemeClr val="accent1">
+                  <a:lumMod val="75000"/>
+                </a:schemeClr>
+              </a:gs>
+            </a:gsLst>
+            <a:lin ang="3000000" scaled="0"/>
+          </a:gradFill>
+          <a:ln>
+            <a:noFill/>
+          </a:ln>
+        </p:spPr>
+        <p:style>
+          <a:lnRef idx="2">
+            <a:schemeClr val="accent1">
+              <a:shade val="50000"/>
+            </a:schemeClr>
+          </a:lnRef>
+          <a:fillRef idx="1">
+            <a:schemeClr val="accent1"/>
+          </a:fillRef>
+          <a:effectRef idx="0">
+            <a:schemeClr val="accent1"/>
+          </a:effectRef>
+          <a:fontRef idx="minor">
+            <a:schemeClr val="lt1"/>
+          </a:fontRef>
+        </p:style>
+        <p:txBody>
+          <a:bodyPr rtlCol="0" anchor="ctr"/>
+          <a:lstStyle/>
+          <a:p>
+            <a:pPr algn="ctr"/>
+            <a:endParaRPr lang="en-US"/>
+          </a:p>
+        </p:txBody>
+      </p:sp>
+      <p:sp>
+        <p:nvSpPr>
+          <p:cNvPr id="12" name="Rectangle 11">
+            <a:extLst>
+              <a:ext uri="{FF2B5EF4-FFF2-40B4-BE49-F238E27FC236}">
+                <a16:creationId xmlns:a16="http://schemas.microsoft.com/office/drawing/2014/main" id="{86909FA0-B515-4681-B7A8-FA281D133B94}"/>
+              </a:ext>
+              <a:ext uri="{C183D7F6-B498-43B3-948B-1728B52AA6E4}">
+                <adec:decorative xmlns:adec="http://schemas.microsoft.com/office/drawing/2017/decorative" val="1"/>
+              </a:ext>
+            </a:extLst>
+          </p:cNvPr>
+          <p:cNvSpPr>
+            <a:spLocks noGrp="1" noRot="1" noChangeAspect="1" noMove="1" noResize="1" noEditPoints="1" noAdjustHandles="1" noChangeArrowheads="1" noChangeShapeType="1" noTextEdit="1"/>
+          </p:cNvSpPr>
+          <p:nvPr>
+            <p:extLst>
+              <p:ext uri="{386F3935-93C4-4BCD-93E2-E3B085C9AB24}">
+                <p16:designElem xmlns:p16="http://schemas.microsoft.com/office/powerpoint/2015/main" val="1"/>
+              </p:ext>
+            </p:extLst>
+          </p:nvPr>
+        </p:nvSpPr>
+        <p:spPr>
+          <a:xfrm rot="5400000" flipH="1">
+            <a:off x="-393206" y="395206"/>
+            <a:ext cx="6346209" cy="5576080"/>
+          </a:xfrm>
+          <a:prstGeom prst="rect">
+            <a:avLst/>
+          </a:prstGeom>
+          <a:gradFill>
+            <a:gsLst>
+              <a:gs pos="0">
+                <a:srgbClr val="000000">
+                  <a:alpha val="0"/>
+                </a:srgbClr>
+              </a:gs>
+              <a:gs pos="99000">
+                <a:schemeClr val="accent1">
+                  <a:alpha val="0"/>
+                </a:schemeClr>
+              </a:gs>
+            </a:gsLst>
+            <a:lin ang="1800000" scaled="0"/>
+          </a:gradFill>
+          <a:ln>
+            <a:noFill/>
+          </a:ln>
+        </p:spPr>
+        <p:style>
+          <a:lnRef idx="2">
+            <a:schemeClr val="accent1">
+              <a:shade val="50000"/>
+            </a:schemeClr>
+          </a:lnRef>
+          <a:fillRef idx="1">
+            <a:schemeClr val="accent1"/>
+          </a:fillRef>
+          <a:effectRef idx="0">
+            <a:schemeClr val="accent1"/>
+          </a:effectRef>
+          <a:fontRef idx="minor">
+            <a:schemeClr val="lt1"/>
+          </a:fontRef>
+        </p:style>
+        <p:txBody>
+          <a:bodyPr rtlCol="0" anchor="ctr"/>
+          <a:lstStyle/>
+          <a:p>
+            <a:pPr algn="ctr"/>
+            <a:endParaRPr lang="en-US"/>
+          </a:p>
+        </p:txBody>
+      </p:sp>
+      <p:sp>
+        <p:nvSpPr>
+          <p:cNvPr id="14" name="Rectangle 13">
+            <a:extLst>
+              <a:ext uri="{FF2B5EF4-FFF2-40B4-BE49-F238E27FC236}">
+                <a16:creationId xmlns:a16="http://schemas.microsoft.com/office/drawing/2014/main" id="{21C9FE86-FCC3-4A31-AA1C-C882262B7FE7}"/>
+              </a:ext>
+              <a:ext uri="{C183D7F6-B498-43B3-948B-1728B52AA6E4}">
+                <adec:decorative xmlns:adec="http://schemas.microsoft.com/office/drawing/2017/decorative" val="1"/>
+              </a:ext>
+            </a:extLst>
+          </p:cNvPr>
+          <p:cNvSpPr>
+            <a:spLocks noGrp="1" noRot="1" noChangeAspect="1" noMove="1" noResize="1" noEditPoints="1" noAdjustHandles="1" noChangeArrowheads="1" noChangeShapeType="1" noTextEdit="1"/>
+          </p:cNvSpPr>
+          <p:nvPr>
+            <p:extLst>
+              <p:ext uri="{386F3935-93C4-4BCD-93E2-E3B085C9AB24}">
+                <p16:designElem xmlns:p16="http://schemas.microsoft.com/office/powerpoint/2015/main" val="1"/>
+              </p:ext>
+            </p:extLst>
+          </p:nvPr>
+        </p:nvSpPr>
+        <p:spPr>
+          <a:xfrm rot="5400000" flipH="1">
+            <a:off x="1528907" y="2818967"/>
+            <a:ext cx="2501979" cy="5576080"/>
+          </a:xfrm>
+          <a:prstGeom prst="rect">
+            <a:avLst/>
+          </a:prstGeom>
+          <a:gradFill>
+            <a:gsLst>
+              <a:gs pos="2000">
+                <a:schemeClr val="accent1">
+                  <a:alpha val="29000"/>
+                </a:schemeClr>
+              </a:gs>
+              <a:gs pos="100000">
+                <a:srgbClr val="000000">
+                  <a:alpha val="30000"/>
+                </a:srgbClr>
+              </a:gs>
+            </a:gsLst>
+            <a:lin ang="7800000" scaled="0"/>
+          </a:gradFill>
+          <a:ln>
+            <a:noFill/>
+          </a:ln>
+        </p:spPr>
+        <p:style>
+          <a:lnRef idx="2">
+            <a:schemeClr val="accent1">
+              <a:shade val="50000"/>
+            </a:schemeClr>
+          </a:lnRef>
+          <a:fillRef idx="1">
+            <a:schemeClr val="accent1"/>
+          </a:fillRef>
+          <a:effectRef idx="0">
+            <a:schemeClr val="accent1"/>
+          </a:effectRef>
+          <a:fontRef idx="minor">
+            <a:schemeClr val="lt1"/>
+          </a:fontRef>
+        </p:style>
+        <p:txBody>
+          <a:bodyPr rtlCol="0" anchor="ctr"/>
+          <a:lstStyle/>
+          <a:p>
+            <a:pPr algn="ctr"/>
+            <a:endParaRPr lang="en-US" dirty="0"/>
+          </a:p>
+        </p:txBody>
+      </p:sp>
+      <p:sp>
+        <p:nvSpPr>
+          <p:cNvPr id="16" name="Rectangle 15">
+            <a:extLst>
+              <a:ext uri="{FF2B5EF4-FFF2-40B4-BE49-F238E27FC236}">
+                <a16:creationId xmlns:a16="http://schemas.microsoft.com/office/drawing/2014/main" id="{7D96243B-ECED-4B71-8E06-AE9A285EAD20}"/>
+              </a:ext>
+              <a:ext uri="{C183D7F6-B498-43B3-948B-1728B52AA6E4}">
+                <adec:decorative xmlns:adec="http://schemas.microsoft.com/office/drawing/2017/decorative" val="1"/>
+              </a:ext>
+            </a:extLst>
+          </p:cNvPr>
+          <p:cNvSpPr>
+            <a:spLocks noGrp="1" noRot="1" noChangeAspect="1" noMove="1" noResize="1" noEditPoints="1" noAdjustHandles="1" noChangeArrowheads="1" noChangeShapeType="1" noTextEdit="1"/>
+          </p:cNvSpPr>
+          <p:nvPr>
+            <p:extLst>
+              <p:ext uri="{386F3935-93C4-4BCD-93E2-E3B085C9AB24}">
+                <p16:designElem xmlns:p16="http://schemas.microsoft.com/office/powerpoint/2015/main" val="1"/>
+              </p:ext>
+            </p:extLst>
+          </p:nvPr>
+        </p:nvSpPr>
+        <p:spPr>
+          <a:xfrm rot="5400000" flipH="1">
+            <a:off x="-425002" y="852793"/>
+            <a:ext cx="6858001" cy="5152412"/>
+          </a:xfrm>
+          <a:prstGeom prst="rect">
+            <a:avLst/>
+          </a:prstGeom>
+          <a:gradFill>
+            <a:gsLst>
+              <a:gs pos="0">
+                <a:srgbClr val="000000">
+                  <a:alpha val="0"/>
+                </a:srgbClr>
+              </a:gs>
+              <a:gs pos="99000">
+                <a:schemeClr val="accent1">
+                  <a:alpha val="11000"/>
+                </a:schemeClr>
+              </a:gs>
+            </a:gsLst>
+            <a:lin ang="7800000" scaled="0"/>
+          </a:gradFill>
+          <a:ln>
+            <a:noFill/>
+          </a:ln>
+        </p:spPr>
+        <p:style>
+          <a:lnRef idx="2">
+            <a:schemeClr val="accent1">
+              <a:shade val="50000"/>
+            </a:schemeClr>
+          </a:lnRef>
+          <a:fillRef idx="1">
+            <a:schemeClr val="accent1"/>
+          </a:fillRef>
+          <a:effectRef idx="0">
+            <a:schemeClr val="accent1"/>
+          </a:effectRef>
+          <a:fontRef idx="minor">
+            <a:schemeClr val="lt1"/>
+          </a:fontRef>
+        </p:style>
+        <p:txBody>
+          <a:bodyPr rtlCol="0" anchor="ctr"/>
+          <a:lstStyle/>
+          <a:p>
+            <a:pPr algn="ctr"/>
+            <a:endParaRPr lang="en-US"/>
+          </a:p>
+        </p:txBody>
+      </p:sp>
+      <p:sp>
+        <p:nvSpPr>
+          <p:cNvPr id="18" name="Oval 17">
+            <a:extLst>
+              <a:ext uri="{FF2B5EF4-FFF2-40B4-BE49-F238E27FC236}">
+                <a16:creationId xmlns:a16="http://schemas.microsoft.com/office/drawing/2014/main" id="{A09989E4-EFDC-4A90-A633-E0525FB4139E}"/>
+              </a:ext>
+              <a:ext uri="{C183D7F6-B498-43B3-948B-1728B52AA6E4}">
+                <adec:decorative xmlns:adec="http://schemas.microsoft.com/office/drawing/2017/decorative" val="1"/>
+              </a:ext>
+            </a:extLst>
+          </p:cNvPr>
+          <p:cNvSpPr>
+            <a:spLocks noGrp="1" noRot="1" noChangeAspect="1" noMove="1" noResize="1" noEditPoints="1" noAdjustHandles="1" noChangeArrowheads="1" noChangeShapeType="1" noTextEdit="1"/>
+          </p:cNvSpPr>
+          <p:nvPr>
+            <p:extLst>
+              <p:ext uri="{386F3935-93C4-4BCD-93E2-E3B085C9AB24}">
+                <p16:designElem xmlns:p16="http://schemas.microsoft.com/office/powerpoint/2015/main" val="1"/>
+              </p:ext>
+            </p:extLst>
+          </p:nvPr>
+        </p:nvSpPr>
+        <p:spPr>
+          <a:xfrm rot="6097846">
+            <a:off x="818753" y="1128497"/>
+            <a:ext cx="4318303" cy="4318303"/>
+          </a:xfrm>
+          <a:prstGeom prst="ellipse">
+            <a:avLst/>
+          </a:prstGeom>
+          <a:gradFill>
+            <a:gsLst>
+              <a:gs pos="39000">
+                <a:schemeClr val="accent1">
+                  <a:alpha val="0"/>
+                </a:schemeClr>
+              </a:gs>
+              <a:gs pos="100000">
+                <a:schemeClr val="accent1">
+                  <a:lumMod val="60000"/>
+                  <a:lumOff val="40000"/>
+                  <a:alpha val="15000"/>
+                </a:schemeClr>
+              </a:gs>
+            </a:gsLst>
+            <a:lin ang="17400000" scaled="0"/>
+          </a:gradFill>
+          <a:ln>
+            <a:noFill/>
+          </a:ln>
+        </p:spPr>
+        <p:style>
+          <a:lnRef idx="2">
+            <a:schemeClr val="accent1">
+              <a:shade val="50000"/>
+            </a:schemeClr>
+          </a:lnRef>
+          <a:fillRef idx="1">
+            <a:schemeClr val="accent1"/>
+          </a:fillRef>
+          <a:effectRef idx="0">
+            <a:schemeClr val="accent1"/>
+          </a:effectRef>
+          <a:fontRef idx="minor">
+            <a:schemeClr val="lt1"/>
+          </a:fontRef>
+        </p:style>
+        <p:txBody>
+          <a:bodyPr rtlCol="0" anchor="ctr"/>
+          <a:lstStyle/>
+          <a:p>
+            <a:pPr algn="ctr"/>
+            <a:endParaRPr lang="en-US" dirty="0"/>
+          </a:p>
+        </p:txBody>
+      </p:sp>
+      <p:sp>
+        <p:nvSpPr>
+          <p:cNvPr id="2" name="Title 1">
+            <a:extLst>
+              <a:ext uri="{FF2B5EF4-FFF2-40B4-BE49-F238E27FC236}">
+                <a16:creationId xmlns:a16="http://schemas.microsoft.com/office/drawing/2014/main" id="{94F2A687-C0E3-8145-8409-8F7BCC8DD471}"/>
+              </a:ext>
+            </a:extLst>
+          </p:cNvPr>
+          <p:cNvSpPr>
+            <a:spLocks noGrp="1"/>
+          </p:cNvSpPr>
+          <p:nvPr>
+            <p:ph type="title"/>
+          </p:nvPr>
+        </p:nvSpPr>
+        <p:spPr>
+          <a:xfrm>
+            <a:off x="826396" y="586855"/>
+            <a:ext cx="4230100" cy="3387497"/>
+          </a:xfrm>
+        </p:spPr>
+        <p:txBody>
+          <a:bodyPr anchor="b">
+            <a:normAutofit/>
+          </a:bodyPr>
+          <a:lstStyle/>
+          <a:p>
+            <a:pPr algn="ctr"/>
+            <a:r>
+              <a:rPr lang="es-ES_tradnl" sz="4000" dirty="0">
+                <a:solidFill>
+                  <a:srgbClr val="FFFFFF"/>
+                </a:solidFill>
+              </a:rPr>
+              <a:t>¿Qué industrias tomamos?</a:t>
+            </a:r>
+          </a:p>
+        </p:txBody>
+      </p:sp>
+      <p:pic>
+        <p:nvPicPr>
+          <p:cNvPr id="19" name="Picture 18" descr="Logo&#10;&#10;Description automatically generated">
+            <a:extLst>
+              <a:ext uri="{FF2B5EF4-FFF2-40B4-BE49-F238E27FC236}">
+                <a16:creationId xmlns:a16="http://schemas.microsoft.com/office/drawing/2014/main" id="{DD79F0A4-1E5A-694D-A67A-335DEFF61FAA}"/>
+              </a:ext>
+            </a:extLst>
+          </p:cNvPr>
+          <p:cNvPicPr>
+            <a:picLocks noChangeAspect="1"/>
+          </p:cNvPicPr>
+          <p:nvPr/>
+        </p:nvPicPr>
+        <p:blipFill>
+          <a:blip r:embed="rId2"/>
+          <a:stretch>
+            <a:fillRect/>
+          </a:stretch>
+        </p:blipFill>
+        <p:spPr>
+          <a:xfrm>
+            <a:off x="5712847" y="6190340"/>
+            <a:ext cx="1186946" cy="667657"/>
+          </a:xfrm>
+          <a:prstGeom prst="rect">
+            <a:avLst/>
+          </a:prstGeom>
+        </p:spPr>
+      </p:pic>
+      <p:sp>
+        <p:nvSpPr>
+          <p:cNvPr id="5" name="TextBox 4">
+            <a:extLst>
+              <a:ext uri="{FF2B5EF4-FFF2-40B4-BE49-F238E27FC236}">
+                <a16:creationId xmlns:a16="http://schemas.microsoft.com/office/drawing/2014/main" id="{AE9EE647-DA1A-F14C-9066-147C8A271FE7}"/>
+              </a:ext>
+            </a:extLst>
+          </p:cNvPr>
+          <p:cNvSpPr txBox="1"/>
+          <p:nvPr/>
+        </p:nvSpPr>
+        <p:spPr>
+          <a:xfrm>
+            <a:off x="6802718" y="1680342"/>
+            <a:ext cx="4142232" cy="3970318"/>
+          </a:xfrm>
+          <a:prstGeom prst="rect">
+            <a:avLst/>
+          </a:prstGeom>
+          <a:noFill/>
+        </p:spPr>
+        <p:txBody>
+          <a:bodyPr wrap="square" rtlCol="0">
+            <a:spAutoFit/>
+          </a:bodyPr>
+          <a:lstStyle/>
+          <a:p>
+            <a:pPr marL="285750" indent="-285750">
+              <a:buFont typeface="Wingdings" pitchFamily="2" charset="2"/>
+              <a:buChar char="v"/>
+            </a:pPr>
+            <a:r>
+              <a:rPr lang="es-ES_tradnl" dirty="0" err="1"/>
+              <a:t>Construction</a:t>
+            </a:r>
+            <a:r>
+              <a:rPr lang="es-ES_tradnl" dirty="0"/>
+              <a:t> </a:t>
+            </a:r>
+          </a:p>
+          <a:p>
+            <a:pPr marL="285750" indent="-285750">
+              <a:buFont typeface="Wingdings" pitchFamily="2" charset="2"/>
+              <a:buChar char="v"/>
+            </a:pPr>
+            <a:r>
+              <a:rPr lang="es-ES_tradnl" dirty="0" err="1"/>
+              <a:t>Oil</a:t>
+            </a:r>
+            <a:r>
+              <a:rPr lang="es-ES_tradnl" dirty="0"/>
+              <a:t> &amp; </a:t>
+            </a:r>
+            <a:r>
+              <a:rPr lang="es-ES_tradnl" dirty="0" err="1"/>
+              <a:t>Energy</a:t>
+            </a:r>
+            <a:endParaRPr lang="es-ES_tradnl" dirty="0"/>
+          </a:p>
+          <a:p>
+            <a:pPr marL="285750" indent="-285750">
+              <a:buFont typeface="Wingdings" pitchFamily="2" charset="2"/>
+              <a:buChar char="v"/>
+            </a:pPr>
+            <a:r>
+              <a:rPr lang="es-ES_tradnl" dirty="0"/>
+              <a:t>IT &amp; Telecom </a:t>
+            </a:r>
+            <a:r>
+              <a:rPr lang="es-ES_tradnl" dirty="0" err="1"/>
+              <a:t>Services</a:t>
+            </a:r>
+            <a:r>
+              <a:rPr lang="es-ES_tradnl" dirty="0"/>
+              <a:t> </a:t>
+            </a:r>
+          </a:p>
+          <a:p>
+            <a:pPr marL="285750" indent="-285750">
+              <a:buFont typeface="Wingdings" pitchFamily="2" charset="2"/>
+              <a:buChar char="v"/>
+            </a:pPr>
+            <a:r>
+              <a:rPr lang="es-ES_tradnl" dirty="0"/>
+              <a:t>Software </a:t>
+            </a:r>
+            <a:r>
+              <a:rPr lang="es-ES_tradnl" dirty="0" err="1"/>
+              <a:t>Development</a:t>
+            </a:r>
+            <a:endParaRPr lang="es-ES_tradnl" dirty="0"/>
+          </a:p>
+          <a:p>
+            <a:pPr marL="285750" indent="-285750">
+              <a:buFont typeface="Wingdings" pitchFamily="2" charset="2"/>
+              <a:buChar char="v"/>
+            </a:pPr>
+            <a:r>
+              <a:rPr lang="es-ES_tradnl" dirty="0" err="1"/>
+              <a:t>Finance</a:t>
+            </a:r>
+            <a:r>
+              <a:rPr lang="es-ES_tradnl" dirty="0"/>
+              <a:t> &amp; </a:t>
+            </a:r>
+            <a:r>
+              <a:rPr lang="es-ES_tradnl" dirty="0" err="1"/>
+              <a:t>Banking</a:t>
+            </a:r>
+            <a:r>
+              <a:rPr lang="es-ES_tradnl" dirty="0"/>
+              <a:t> Sector</a:t>
+            </a:r>
+          </a:p>
+          <a:p>
+            <a:pPr marL="285750" indent="-285750">
+              <a:buFont typeface="Wingdings" pitchFamily="2" charset="2"/>
+              <a:buChar char="v"/>
+            </a:pPr>
+            <a:endParaRPr lang="es-ES_tradnl" dirty="0"/>
+          </a:p>
+          <a:p>
+            <a:pPr marL="285750" indent="-285750">
+              <a:buFont typeface="Wingdings" pitchFamily="2" charset="2"/>
+              <a:buChar char="v"/>
+            </a:pPr>
+            <a:r>
+              <a:rPr lang="es-ES_tradnl" dirty="0" err="1"/>
+              <a:t>Pharmaceuticals</a:t>
+            </a:r>
+            <a:endParaRPr lang="es-ES_tradnl" dirty="0"/>
+          </a:p>
+          <a:p>
+            <a:pPr marL="285750" indent="-285750">
+              <a:buFont typeface="Wingdings" pitchFamily="2" charset="2"/>
+              <a:buChar char="v"/>
+            </a:pPr>
+            <a:r>
+              <a:rPr lang="es-ES_tradnl" dirty="0" err="1"/>
+              <a:t>Wholesale</a:t>
+            </a:r>
+            <a:endParaRPr lang="es-ES_tradnl" dirty="0"/>
+          </a:p>
+          <a:p>
+            <a:pPr marL="285750" indent="-285750">
+              <a:buFont typeface="Wingdings" pitchFamily="2" charset="2"/>
+              <a:buChar char="v"/>
+            </a:pPr>
+            <a:r>
+              <a:rPr lang="es-ES_tradnl" dirty="0" err="1"/>
+              <a:t>Consumer</a:t>
+            </a:r>
+            <a:r>
+              <a:rPr lang="es-ES_tradnl" dirty="0"/>
+              <a:t> </a:t>
+            </a:r>
+            <a:r>
+              <a:rPr lang="es-ES_tradnl" dirty="0" err="1"/>
+              <a:t>Product</a:t>
+            </a:r>
+            <a:r>
+              <a:rPr lang="es-ES_tradnl" dirty="0"/>
+              <a:t> </a:t>
+            </a:r>
+            <a:r>
+              <a:rPr lang="es-ES_tradnl" dirty="0" err="1"/>
+              <a:t>Goods</a:t>
+            </a:r>
+            <a:endParaRPr lang="es-ES_tradnl" dirty="0"/>
+          </a:p>
+          <a:p>
+            <a:pPr marL="285750" indent="-285750">
+              <a:buFont typeface="Wingdings" pitchFamily="2" charset="2"/>
+              <a:buChar char="v"/>
+            </a:pPr>
+            <a:endParaRPr lang="es-ES_tradnl" dirty="0"/>
+          </a:p>
+          <a:p>
+            <a:pPr marL="285750" indent="-285750">
+              <a:buFont typeface="Wingdings" pitchFamily="2" charset="2"/>
+              <a:buChar char="v"/>
+            </a:pPr>
+            <a:r>
+              <a:rPr lang="es-ES_tradnl" dirty="0" err="1"/>
+              <a:t>Food</a:t>
+            </a:r>
+            <a:r>
+              <a:rPr lang="es-ES_tradnl" dirty="0"/>
+              <a:t> &amp; </a:t>
+            </a:r>
+            <a:r>
+              <a:rPr lang="es-ES_tradnl" dirty="0" err="1"/>
+              <a:t>Beverages</a:t>
+            </a:r>
+            <a:r>
+              <a:rPr lang="es-ES_tradnl" dirty="0"/>
+              <a:t> </a:t>
+            </a:r>
+          </a:p>
+          <a:p>
+            <a:pPr marL="285750" indent="-285750">
+              <a:buFont typeface="Wingdings" pitchFamily="2" charset="2"/>
+              <a:buChar char="v"/>
+            </a:pPr>
+            <a:r>
+              <a:rPr lang="es-ES_tradnl" dirty="0"/>
+              <a:t>Retail</a:t>
+            </a:r>
+          </a:p>
+          <a:p>
+            <a:pPr marL="285750" indent="-285750">
+              <a:buFont typeface="Wingdings" pitchFamily="2" charset="2"/>
+              <a:buChar char="v"/>
+            </a:pPr>
+            <a:r>
+              <a:rPr lang="es-ES_tradnl" dirty="0" err="1"/>
+              <a:t>Education</a:t>
+            </a:r>
+            <a:endParaRPr lang="es-ES_tradnl" dirty="0"/>
+          </a:p>
+          <a:p>
+            <a:pPr marL="285750" indent="-285750">
+              <a:buFont typeface="Wingdings" pitchFamily="2" charset="2"/>
+              <a:buChar char="v"/>
+            </a:pPr>
+            <a:endParaRPr lang="es-ES_tradnl" dirty="0"/>
+          </a:p>
+        </p:txBody>
+      </p:sp>
+      <p:sp>
+        <p:nvSpPr>
+          <p:cNvPr id="3" name="Slide Number Placeholder 2">
+            <a:extLst>
+              <a:ext uri="{FF2B5EF4-FFF2-40B4-BE49-F238E27FC236}">
+                <a16:creationId xmlns:a16="http://schemas.microsoft.com/office/drawing/2014/main" id="{2D23AE98-ADA5-7940-AEE1-6FC9077C0F60}"/>
+              </a:ext>
+            </a:extLst>
+          </p:cNvPr>
+          <p:cNvSpPr>
+            <a:spLocks noGrp="1"/>
+          </p:cNvSpPr>
+          <p:nvPr>
+            <p:ph type="sldNum" sz="quarter" idx="12"/>
+          </p:nvPr>
+        </p:nvSpPr>
+        <p:spPr/>
+        <p:txBody>
+          <a:bodyPr/>
+          <a:lstStyle/>
+          <a:p>
+            <a:fld id="{7532B6D1-D4F1-B842-A4F0-1D91C0E1E2FD}" type="slidenum">
+              <a:rPr lang="es-ES_tradnl" smtClean="0"/>
+              <a:t>27</a:t>
+            </a:fld>
+            <a:endParaRPr lang="es-ES_tradnl"/>
+          </a:p>
+        </p:txBody>
+      </p:sp>
+    </p:spTree>
+    <p:extLst>
+      <p:ext uri="{BB962C8B-B14F-4D97-AF65-F5344CB8AC3E}">
+        <p14:creationId xmlns:p14="http://schemas.microsoft.com/office/powerpoint/2010/main" val="2306085225"/>
+      </p:ext>
+    </p:extLst>
+  </p:cSld>
+  <p:clrMapOvr>
+    <a:masterClrMapping/>
+  </p:clrMapOvr>
+</p:sld>
+</file>
+
+<file path=ppt/slides/slide28.xml><?xml version="1.0" encoding="utf-8"?>
+<p:sld xmlns:a="http://schemas.openxmlformats.org/drawingml/2006/main" xmlns:r="http://schemas.openxmlformats.org/officeDocument/2006/relationships" xmlns:p="http://schemas.openxmlformats.org/presentationml/2006/main">
+  <p:cSld>
+    <p:bg>
+      <p:bgPr>
+        <a:solidFill>
+          <a:schemeClr val="bg1"/>
+        </a:solidFill>
+        <a:effectLst/>
+      </p:bgPr>
+    </p:bg>
+    <p:spTree>
+      <p:nvGrpSpPr>
+        <p:cNvPr id="1" name=""/>
+        <p:cNvGrpSpPr/>
+        <p:nvPr/>
+      </p:nvGrpSpPr>
+      <p:grpSpPr>
+        <a:xfrm>
+          <a:off x="0" y="0"/>
+          <a:ext cx="0" cy="0"/>
+          <a:chOff x="0" y="0"/>
+          <a:chExt cx="0" cy="0"/>
+        </a:xfrm>
+      </p:grpSpPr>
+      <p:sp useBgFill="1">
+        <p:nvSpPr>
           <p:cNvPr id="1034" name="Rectangle 191">
             <a:extLst>
               <a:ext uri="{FF2B5EF4-FFF2-40B4-BE49-F238E27FC236}">
@@ -25283,7 +26080,7 @@
           <a:p>
             <a:fld id="{7532B6D1-D4F1-B842-A4F0-1D91C0E1E2FD}" type="slidenum">
               <a:rPr lang="es-ES_tradnl" smtClean="0"/>
-              <a:t>27</a:t>
+              <a:t>28</a:t>
             </a:fld>
             <a:endParaRPr lang="es-ES_tradnl"/>
           </a:p>
@@ -25391,824 +26188,6 @@
       <p:bldP spid="2" grpId="0"/>
     </p:bldLst>
   </p:timing>
-</p:sld>
-</file>
-
-<file path=ppt/slides/slide28.xml><?xml version="1.0" encoding="utf-8"?>
-<p:sld xmlns:a="http://schemas.openxmlformats.org/drawingml/2006/main" xmlns:r="http://schemas.openxmlformats.org/officeDocument/2006/relationships" xmlns:p="http://schemas.openxmlformats.org/presentationml/2006/main">
-  <p:cSld>
-    <p:bg>
-      <p:bgPr>
-        <a:solidFill>
-          <a:schemeClr val="bg1"/>
-        </a:solidFill>
-        <a:effectLst/>
-      </p:bgPr>
-    </p:bg>
-    <p:spTree>
-      <p:nvGrpSpPr>
-        <p:cNvPr id="1" name=""/>
-        <p:cNvGrpSpPr/>
-        <p:nvPr/>
-      </p:nvGrpSpPr>
-      <p:grpSpPr>
-        <a:xfrm>
-          <a:off x="0" y="0"/>
-          <a:ext cx="0" cy="0"/>
-          <a:chOff x="0" y="0"/>
-          <a:chExt cx="0" cy="0"/>
-        </a:xfrm>
-      </p:grpSpPr>
-      <p:sp useBgFill="1">
-        <p:nvSpPr>
-          <p:cNvPr id="8" name="Rectangle 7">
-            <a:extLst>
-              <a:ext uri="{FF2B5EF4-FFF2-40B4-BE49-F238E27FC236}">
-                <a16:creationId xmlns:a16="http://schemas.microsoft.com/office/drawing/2014/main" id="{DEE2AD96-B495-4E06-9291-B71706F728CB}"/>
-              </a:ext>
-              <a:ext uri="{C183D7F6-B498-43B3-948B-1728B52AA6E4}">
-                <adec:decorative xmlns:adec="http://schemas.microsoft.com/office/drawing/2017/decorative" val="1"/>
-              </a:ext>
-            </a:extLst>
-          </p:cNvPr>
-          <p:cNvSpPr>
-            <a:spLocks noGrp="1" noRot="1" noChangeAspect="1" noMove="1" noResize="1" noEditPoints="1" noAdjustHandles="1" noChangeArrowheads="1" noChangeShapeType="1" noTextEdit="1"/>
-          </p:cNvSpPr>
-          <p:nvPr>
-            <p:extLst>
-              <p:ext uri="{386F3935-93C4-4BCD-93E2-E3B085C9AB24}">
-                <p16:designElem xmlns:p16="http://schemas.microsoft.com/office/powerpoint/2015/main" val="1"/>
-              </p:ext>
-            </p:extLst>
-          </p:nvPr>
-        </p:nvSpPr>
-        <p:spPr>
-          <a:xfrm>
-            <a:off x="0" y="0"/>
-            <a:ext cx="12192000" cy="6858000"/>
-          </a:xfrm>
-          <a:prstGeom prst="rect">
-            <a:avLst/>
-          </a:prstGeom>
-          <a:ln w="12700" cap="flat" cmpd="sng" algn="ctr">
-            <a:noFill/>
-            <a:prstDash val="solid"/>
-            <a:miter lim="800000"/>
-          </a:ln>
-          <a:effectLst/>
-          <a:extLst>
-            <a:ext uri="{91240B29-F687-4F45-9708-019B960494DF}">
-              <a14:hiddenLine xmlns:a14="http://schemas.microsoft.com/office/drawing/2010/main" w="12700" cap="flat" cmpd="sng" algn="ctr">
-                <a:solidFill>
-                  <a:schemeClr val="accent1">
-                    <a:shade val="50000"/>
-                  </a:schemeClr>
-                </a:solidFill>
-                <a:prstDash val="solid"/>
-                <a:miter lim="800000"/>
-              </a14:hiddenLine>
-            </a:ext>
-          </a:extLst>
-        </p:spPr>
-        <p:style>
-          <a:lnRef idx="2">
-            <a:schemeClr val="accent1">
-              <a:shade val="50000"/>
-            </a:schemeClr>
-          </a:lnRef>
-          <a:fillRef idx="1">
-            <a:schemeClr val="accent1"/>
-          </a:fillRef>
-          <a:effectRef idx="0">
-            <a:schemeClr val="accent1"/>
-          </a:effectRef>
-          <a:fontRef idx="minor">
-            <a:schemeClr val="lt1"/>
-          </a:fontRef>
-        </p:style>
-        <p:txBody>
-          <a:bodyPr rtlCol="0" anchor="ctr"/>
-          <a:lstStyle/>
-          <a:p>
-            <a:pPr algn="ctr"/>
-            <a:endParaRPr lang="en-US"/>
-          </a:p>
-        </p:txBody>
-      </p:sp>
-      <p:sp>
-        <p:nvSpPr>
-          <p:cNvPr id="10" name="Rectangle 9">
-            <a:extLst>
-              <a:ext uri="{FF2B5EF4-FFF2-40B4-BE49-F238E27FC236}">
-                <a16:creationId xmlns:a16="http://schemas.microsoft.com/office/drawing/2014/main" id="{53CF6D67-C5A8-4ADD-9E8E-1E38CA1D3166}"/>
-              </a:ext>
-              <a:ext uri="{C183D7F6-B498-43B3-948B-1728B52AA6E4}">
-                <adec:decorative xmlns:adec="http://schemas.microsoft.com/office/drawing/2017/decorative" val="1"/>
-              </a:ext>
-            </a:extLst>
-          </p:cNvPr>
-          <p:cNvSpPr>
-            <a:spLocks noGrp="1" noRot="1" noChangeAspect="1" noMove="1" noResize="1" noEditPoints="1" noAdjustHandles="1" noChangeArrowheads="1" noChangeShapeType="1" noTextEdit="1"/>
-          </p:cNvSpPr>
-          <p:nvPr>
-            <p:extLst>
-              <p:ext uri="{386F3935-93C4-4BCD-93E2-E3B085C9AB24}">
-                <p16:designElem xmlns:p16="http://schemas.microsoft.com/office/powerpoint/2015/main" val="1"/>
-              </p:ext>
-            </p:extLst>
-          </p:nvPr>
-        </p:nvSpPr>
-        <p:spPr>
-          <a:xfrm rot="5400000" flipH="1">
-            <a:off x="-638515" y="639280"/>
-            <a:ext cx="6858000" cy="5579440"/>
-          </a:xfrm>
-          <a:prstGeom prst="rect">
-            <a:avLst/>
-          </a:prstGeom>
-          <a:gradFill>
-            <a:gsLst>
-              <a:gs pos="8000">
-                <a:srgbClr val="000000"/>
-              </a:gs>
-              <a:gs pos="100000">
-                <a:schemeClr val="accent1">
-                  <a:lumMod val="75000"/>
-                </a:schemeClr>
-              </a:gs>
-            </a:gsLst>
-            <a:lin ang="3000000" scaled="0"/>
-          </a:gradFill>
-          <a:ln>
-            <a:noFill/>
-          </a:ln>
-        </p:spPr>
-        <p:style>
-          <a:lnRef idx="2">
-            <a:schemeClr val="accent1">
-              <a:shade val="50000"/>
-            </a:schemeClr>
-          </a:lnRef>
-          <a:fillRef idx="1">
-            <a:schemeClr val="accent1"/>
-          </a:fillRef>
-          <a:effectRef idx="0">
-            <a:schemeClr val="accent1"/>
-          </a:effectRef>
-          <a:fontRef idx="minor">
-            <a:schemeClr val="lt1"/>
-          </a:fontRef>
-        </p:style>
-        <p:txBody>
-          <a:bodyPr rtlCol="0" anchor="ctr"/>
-          <a:lstStyle/>
-          <a:p>
-            <a:pPr algn="ctr"/>
-            <a:endParaRPr lang="en-US"/>
-          </a:p>
-        </p:txBody>
-      </p:sp>
-      <p:sp>
-        <p:nvSpPr>
-          <p:cNvPr id="12" name="Rectangle 11">
-            <a:extLst>
-              <a:ext uri="{FF2B5EF4-FFF2-40B4-BE49-F238E27FC236}">
-                <a16:creationId xmlns:a16="http://schemas.microsoft.com/office/drawing/2014/main" id="{86909FA0-B515-4681-B7A8-FA281D133B94}"/>
-              </a:ext>
-              <a:ext uri="{C183D7F6-B498-43B3-948B-1728B52AA6E4}">
-                <adec:decorative xmlns:adec="http://schemas.microsoft.com/office/drawing/2017/decorative" val="1"/>
-              </a:ext>
-            </a:extLst>
-          </p:cNvPr>
-          <p:cNvSpPr>
-            <a:spLocks noGrp="1" noRot="1" noChangeAspect="1" noMove="1" noResize="1" noEditPoints="1" noAdjustHandles="1" noChangeArrowheads="1" noChangeShapeType="1" noTextEdit="1"/>
-          </p:cNvSpPr>
-          <p:nvPr>
-            <p:extLst>
-              <p:ext uri="{386F3935-93C4-4BCD-93E2-E3B085C9AB24}">
-                <p16:designElem xmlns:p16="http://schemas.microsoft.com/office/powerpoint/2015/main" val="1"/>
-              </p:ext>
-            </p:extLst>
-          </p:nvPr>
-        </p:nvSpPr>
-        <p:spPr>
-          <a:xfrm rot="5400000" flipH="1">
-            <a:off x="-393206" y="395206"/>
-            <a:ext cx="6346209" cy="5576080"/>
-          </a:xfrm>
-          <a:prstGeom prst="rect">
-            <a:avLst/>
-          </a:prstGeom>
-          <a:gradFill>
-            <a:gsLst>
-              <a:gs pos="0">
-                <a:srgbClr val="000000">
-                  <a:alpha val="0"/>
-                </a:srgbClr>
-              </a:gs>
-              <a:gs pos="99000">
-                <a:schemeClr val="accent1">
-                  <a:alpha val="0"/>
-                </a:schemeClr>
-              </a:gs>
-            </a:gsLst>
-            <a:lin ang="1800000" scaled="0"/>
-          </a:gradFill>
-          <a:ln>
-            <a:noFill/>
-          </a:ln>
-        </p:spPr>
-        <p:style>
-          <a:lnRef idx="2">
-            <a:schemeClr val="accent1">
-              <a:shade val="50000"/>
-            </a:schemeClr>
-          </a:lnRef>
-          <a:fillRef idx="1">
-            <a:schemeClr val="accent1"/>
-          </a:fillRef>
-          <a:effectRef idx="0">
-            <a:schemeClr val="accent1"/>
-          </a:effectRef>
-          <a:fontRef idx="minor">
-            <a:schemeClr val="lt1"/>
-          </a:fontRef>
-        </p:style>
-        <p:txBody>
-          <a:bodyPr rtlCol="0" anchor="ctr"/>
-          <a:lstStyle/>
-          <a:p>
-            <a:pPr algn="ctr"/>
-            <a:endParaRPr lang="en-US"/>
-          </a:p>
-        </p:txBody>
-      </p:sp>
-      <p:sp>
-        <p:nvSpPr>
-          <p:cNvPr id="14" name="Rectangle 13">
-            <a:extLst>
-              <a:ext uri="{FF2B5EF4-FFF2-40B4-BE49-F238E27FC236}">
-                <a16:creationId xmlns:a16="http://schemas.microsoft.com/office/drawing/2014/main" id="{21C9FE86-FCC3-4A31-AA1C-C882262B7FE7}"/>
-              </a:ext>
-              <a:ext uri="{C183D7F6-B498-43B3-948B-1728B52AA6E4}">
-                <adec:decorative xmlns:adec="http://schemas.microsoft.com/office/drawing/2017/decorative" val="1"/>
-              </a:ext>
-            </a:extLst>
-          </p:cNvPr>
-          <p:cNvSpPr>
-            <a:spLocks noGrp="1" noRot="1" noChangeAspect="1" noMove="1" noResize="1" noEditPoints="1" noAdjustHandles="1" noChangeArrowheads="1" noChangeShapeType="1" noTextEdit="1"/>
-          </p:cNvSpPr>
-          <p:nvPr>
-            <p:extLst>
-              <p:ext uri="{386F3935-93C4-4BCD-93E2-E3B085C9AB24}">
-                <p16:designElem xmlns:p16="http://schemas.microsoft.com/office/powerpoint/2015/main" val="1"/>
-              </p:ext>
-            </p:extLst>
-          </p:nvPr>
-        </p:nvSpPr>
-        <p:spPr>
-          <a:xfrm rot="5400000" flipH="1">
-            <a:off x="1528907" y="2818967"/>
-            <a:ext cx="2501979" cy="5576080"/>
-          </a:xfrm>
-          <a:prstGeom prst="rect">
-            <a:avLst/>
-          </a:prstGeom>
-          <a:gradFill>
-            <a:gsLst>
-              <a:gs pos="2000">
-                <a:schemeClr val="accent1">
-                  <a:alpha val="29000"/>
-                </a:schemeClr>
-              </a:gs>
-              <a:gs pos="100000">
-                <a:srgbClr val="000000">
-                  <a:alpha val="30000"/>
-                </a:srgbClr>
-              </a:gs>
-            </a:gsLst>
-            <a:lin ang="7800000" scaled="0"/>
-          </a:gradFill>
-          <a:ln>
-            <a:noFill/>
-          </a:ln>
-        </p:spPr>
-        <p:style>
-          <a:lnRef idx="2">
-            <a:schemeClr val="accent1">
-              <a:shade val="50000"/>
-            </a:schemeClr>
-          </a:lnRef>
-          <a:fillRef idx="1">
-            <a:schemeClr val="accent1"/>
-          </a:fillRef>
-          <a:effectRef idx="0">
-            <a:schemeClr val="accent1"/>
-          </a:effectRef>
-          <a:fontRef idx="minor">
-            <a:schemeClr val="lt1"/>
-          </a:fontRef>
-        </p:style>
-        <p:txBody>
-          <a:bodyPr rtlCol="0" anchor="ctr"/>
-          <a:lstStyle/>
-          <a:p>
-            <a:pPr algn="ctr"/>
-            <a:endParaRPr lang="en-US" dirty="0"/>
-          </a:p>
-        </p:txBody>
-      </p:sp>
-      <p:sp>
-        <p:nvSpPr>
-          <p:cNvPr id="16" name="Rectangle 15">
-            <a:extLst>
-              <a:ext uri="{FF2B5EF4-FFF2-40B4-BE49-F238E27FC236}">
-                <a16:creationId xmlns:a16="http://schemas.microsoft.com/office/drawing/2014/main" id="{7D96243B-ECED-4B71-8E06-AE9A285EAD20}"/>
-              </a:ext>
-              <a:ext uri="{C183D7F6-B498-43B3-948B-1728B52AA6E4}">
-                <adec:decorative xmlns:adec="http://schemas.microsoft.com/office/drawing/2017/decorative" val="1"/>
-              </a:ext>
-            </a:extLst>
-          </p:cNvPr>
-          <p:cNvSpPr>
-            <a:spLocks noGrp="1" noRot="1" noChangeAspect="1" noMove="1" noResize="1" noEditPoints="1" noAdjustHandles="1" noChangeArrowheads="1" noChangeShapeType="1" noTextEdit="1"/>
-          </p:cNvSpPr>
-          <p:nvPr>
-            <p:extLst>
-              <p:ext uri="{386F3935-93C4-4BCD-93E2-E3B085C9AB24}">
-                <p16:designElem xmlns:p16="http://schemas.microsoft.com/office/powerpoint/2015/main" val="1"/>
-              </p:ext>
-            </p:extLst>
-          </p:nvPr>
-        </p:nvSpPr>
-        <p:spPr>
-          <a:xfrm rot="5400000" flipH="1">
-            <a:off x="-425002" y="852793"/>
-            <a:ext cx="6858001" cy="5152412"/>
-          </a:xfrm>
-          <a:prstGeom prst="rect">
-            <a:avLst/>
-          </a:prstGeom>
-          <a:gradFill>
-            <a:gsLst>
-              <a:gs pos="0">
-                <a:srgbClr val="000000">
-                  <a:alpha val="0"/>
-                </a:srgbClr>
-              </a:gs>
-              <a:gs pos="99000">
-                <a:schemeClr val="accent1">
-                  <a:alpha val="11000"/>
-                </a:schemeClr>
-              </a:gs>
-            </a:gsLst>
-            <a:lin ang="7800000" scaled="0"/>
-          </a:gradFill>
-          <a:ln>
-            <a:noFill/>
-          </a:ln>
-        </p:spPr>
-        <p:style>
-          <a:lnRef idx="2">
-            <a:schemeClr val="accent1">
-              <a:shade val="50000"/>
-            </a:schemeClr>
-          </a:lnRef>
-          <a:fillRef idx="1">
-            <a:schemeClr val="accent1"/>
-          </a:fillRef>
-          <a:effectRef idx="0">
-            <a:schemeClr val="accent1"/>
-          </a:effectRef>
-          <a:fontRef idx="minor">
-            <a:schemeClr val="lt1"/>
-          </a:fontRef>
-        </p:style>
-        <p:txBody>
-          <a:bodyPr rtlCol="0" anchor="ctr"/>
-          <a:lstStyle/>
-          <a:p>
-            <a:pPr algn="ctr"/>
-            <a:endParaRPr lang="en-US"/>
-          </a:p>
-        </p:txBody>
-      </p:sp>
-      <p:sp>
-        <p:nvSpPr>
-          <p:cNvPr id="18" name="Oval 17">
-            <a:extLst>
-              <a:ext uri="{FF2B5EF4-FFF2-40B4-BE49-F238E27FC236}">
-                <a16:creationId xmlns:a16="http://schemas.microsoft.com/office/drawing/2014/main" id="{A09989E4-EFDC-4A90-A633-E0525FB4139E}"/>
-              </a:ext>
-              <a:ext uri="{C183D7F6-B498-43B3-948B-1728B52AA6E4}">
-                <adec:decorative xmlns:adec="http://schemas.microsoft.com/office/drawing/2017/decorative" val="1"/>
-              </a:ext>
-            </a:extLst>
-          </p:cNvPr>
-          <p:cNvSpPr>
-            <a:spLocks noGrp="1" noRot="1" noChangeAspect="1" noMove="1" noResize="1" noEditPoints="1" noAdjustHandles="1" noChangeArrowheads="1" noChangeShapeType="1" noTextEdit="1"/>
-          </p:cNvSpPr>
-          <p:nvPr>
-            <p:extLst>
-              <p:ext uri="{386F3935-93C4-4BCD-93E2-E3B085C9AB24}">
-                <p16:designElem xmlns:p16="http://schemas.microsoft.com/office/powerpoint/2015/main" val="1"/>
-              </p:ext>
-            </p:extLst>
-          </p:nvPr>
-        </p:nvSpPr>
-        <p:spPr>
-          <a:xfrm rot="6097846">
-            <a:off x="818753" y="1128497"/>
-            <a:ext cx="4318303" cy="4318303"/>
-          </a:xfrm>
-          <a:prstGeom prst="ellipse">
-            <a:avLst/>
-          </a:prstGeom>
-          <a:gradFill>
-            <a:gsLst>
-              <a:gs pos="39000">
-                <a:schemeClr val="accent1">
-                  <a:alpha val="0"/>
-                </a:schemeClr>
-              </a:gs>
-              <a:gs pos="100000">
-                <a:schemeClr val="accent1">
-                  <a:lumMod val="60000"/>
-                  <a:lumOff val="40000"/>
-                  <a:alpha val="15000"/>
-                </a:schemeClr>
-              </a:gs>
-            </a:gsLst>
-            <a:lin ang="17400000" scaled="0"/>
-          </a:gradFill>
-          <a:ln>
-            <a:noFill/>
-          </a:ln>
-        </p:spPr>
-        <p:style>
-          <a:lnRef idx="2">
-            <a:schemeClr val="accent1">
-              <a:shade val="50000"/>
-            </a:schemeClr>
-          </a:lnRef>
-          <a:fillRef idx="1">
-            <a:schemeClr val="accent1"/>
-          </a:fillRef>
-          <a:effectRef idx="0">
-            <a:schemeClr val="accent1"/>
-          </a:effectRef>
-          <a:fontRef idx="minor">
-            <a:schemeClr val="lt1"/>
-          </a:fontRef>
-        </p:style>
-        <p:txBody>
-          <a:bodyPr rtlCol="0" anchor="ctr"/>
-          <a:lstStyle/>
-          <a:p>
-            <a:pPr algn="ctr"/>
-            <a:endParaRPr lang="en-US" dirty="0"/>
-          </a:p>
-        </p:txBody>
-      </p:sp>
-      <p:sp>
-        <p:nvSpPr>
-          <p:cNvPr id="2" name="Title 1">
-            <a:extLst>
-              <a:ext uri="{FF2B5EF4-FFF2-40B4-BE49-F238E27FC236}">
-                <a16:creationId xmlns:a16="http://schemas.microsoft.com/office/drawing/2014/main" id="{94F2A687-C0E3-8145-8409-8F7BCC8DD471}"/>
-              </a:ext>
-            </a:extLst>
-          </p:cNvPr>
-          <p:cNvSpPr>
-            <a:spLocks noGrp="1"/>
-          </p:cNvSpPr>
-          <p:nvPr>
-            <p:ph type="title"/>
-          </p:nvPr>
-        </p:nvSpPr>
-        <p:spPr>
-          <a:xfrm>
-            <a:off x="826396" y="586855"/>
-            <a:ext cx="4230100" cy="3387497"/>
-          </a:xfrm>
-        </p:spPr>
-        <p:txBody>
-          <a:bodyPr anchor="b">
-            <a:normAutofit/>
-          </a:bodyPr>
-          <a:lstStyle/>
-          <a:p>
-            <a:pPr algn="ctr"/>
-            <a:r>
-              <a:rPr lang="es-ES_tradnl" sz="4000" dirty="0">
-                <a:solidFill>
-                  <a:srgbClr val="FFFFFF"/>
-                </a:solidFill>
-              </a:rPr>
-              <a:t>¿Qué industrias tomamos?</a:t>
-            </a:r>
-          </a:p>
-        </p:txBody>
-      </p:sp>
-      <p:pic>
-        <p:nvPicPr>
-          <p:cNvPr id="19" name="Picture 18" descr="Logo&#10;&#10;Description automatically generated">
-            <a:extLst>
-              <a:ext uri="{FF2B5EF4-FFF2-40B4-BE49-F238E27FC236}">
-                <a16:creationId xmlns:a16="http://schemas.microsoft.com/office/drawing/2014/main" id="{DD79F0A4-1E5A-694D-A67A-335DEFF61FAA}"/>
-              </a:ext>
-            </a:extLst>
-          </p:cNvPr>
-          <p:cNvPicPr>
-            <a:picLocks noChangeAspect="1"/>
-          </p:cNvPicPr>
-          <p:nvPr/>
-        </p:nvPicPr>
-        <p:blipFill>
-          <a:blip r:embed="rId2"/>
-          <a:stretch>
-            <a:fillRect/>
-          </a:stretch>
-        </p:blipFill>
-        <p:spPr>
-          <a:xfrm>
-            <a:off x="5712847" y="6190340"/>
-            <a:ext cx="1186946" cy="667657"/>
-          </a:xfrm>
-          <a:prstGeom prst="rect">
-            <a:avLst/>
-          </a:prstGeom>
-        </p:spPr>
-      </p:pic>
-      <p:sp>
-        <p:nvSpPr>
-          <p:cNvPr id="5" name="TextBox 4">
-            <a:extLst>
-              <a:ext uri="{FF2B5EF4-FFF2-40B4-BE49-F238E27FC236}">
-                <a16:creationId xmlns:a16="http://schemas.microsoft.com/office/drawing/2014/main" id="{AE9EE647-DA1A-F14C-9066-147C8A271FE7}"/>
-              </a:ext>
-            </a:extLst>
-          </p:cNvPr>
-          <p:cNvSpPr txBox="1"/>
-          <p:nvPr/>
-        </p:nvSpPr>
-        <p:spPr>
-          <a:xfrm>
-            <a:off x="6802718" y="1680342"/>
-            <a:ext cx="4142232" cy="3970318"/>
-          </a:xfrm>
-          <a:prstGeom prst="rect">
-            <a:avLst/>
-          </a:prstGeom>
-          <a:noFill/>
-        </p:spPr>
-        <p:txBody>
-          <a:bodyPr wrap="square" rtlCol="0">
-            <a:spAutoFit/>
-          </a:bodyPr>
-          <a:lstStyle/>
-          <a:p>
-            <a:pPr marL="285750" indent="-285750">
-              <a:buFont typeface="Wingdings" pitchFamily="2" charset="2"/>
-              <a:buChar char="v"/>
-            </a:pPr>
-            <a:r>
-              <a:rPr lang="es-ES_tradnl" dirty="0" err="1"/>
-              <a:t>Construction</a:t>
-            </a:r>
-            <a:r>
-              <a:rPr lang="es-ES_tradnl" dirty="0"/>
-              <a:t> </a:t>
-            </a:r>
-          </a:p>
-          <a:p>
-            <a:pPr marL="285750" indent="-285750">
-              <a:buFont typeface="Wingdings" pitchFamily="2" charset="2"/>
-              <a:buChar char="v"/>
-            </a:pPr>
-            <a:r>
-              <a:rPr lang="es-ES_tradnl" dirty="0" err="1"/>
-              <a:t>Oil</a:t>
-            </a:r>
-            <a:r>
-              <a:rPr lang="es-ES_tradnl" dirty="0"/>
-              <a:t> &amp; </a:t>
-            </a:r>
-            <a:r>
-              <a:rPr lang="es-ES_tradnl" dirty="0" err="1"/>
-              <a:t>Energy</a:t>
-            </a:r>
-            <a:endParaRPr lang="es-ES_tradnl" dirty="0"/>
-          </a:p>
-          <a:p>
-            <a:pPr marL="285750" indent="-285750">
-              <a:buFont typeface="Wingdings" pitchFamily="2" charset="2"/>
-              <a:buChar char="v"/>
-            </a:pPr>
-            <a:r>
-              <a:rPr lang="es-ES_tradnl" dirty="0"/>
-              <a:t>IT &amp; Telecom </a:t>
-            </a:r>
-            <a:r>
-              <a:rPr lang="es-ES_tradnl" dirty="0" err="1"/>
-              <a:t>Services</a:t>
-            </a:r>
-            <a:r>
-              <a:rPr lang="es-ES_tradnl" dirty="0"/>
-              <a:t> </a:t>
-            </a:r>
-          </a:p>
-          <a:p>
-            <a:pPr marL="285750" indent="-285750">
-              <a:buFont typeface="Wingdings" pitchFamily="2" charset="2"/>
-              <a:buChar char="v"/>
-            </a:pPr>
-            <a:r>
-              <a:rPr lang="es-ES_tradnl" dirty="0"/>
-              <a:t>Software </a:t>
-            </a:r>
-            <a:r>
-              <a:rPr lang="es-ES_tradnl" dirty="0" err="1"/>
-              <a:t>Development</a:t>
-            </a:r>
-            <a:endParaRPr lang="es-ES_tradnl" dirty="0"/>
-          </a:p>
-          <a:p>
-            <a:pPr marL="285750" indent="-285750">
-              <a:buFont typeface="Wingdings" pitchFamily="2" charset="2"/>
-              <a:buChar char="v"/>
-            </a:pPr>
-            <a:r>
-              <a:rPr lang="es-ES_tradnl" dirty="0" err="1"/>
-              <a:t>Finance</a:t>
-            </a:r>
-            <a:r>
-              <a:rPr lang="es-ES_tradnl" dirty="0"/>
-              <a:t> &amp; </a:t>
-            </a:r>
-            <a:r>
-              <a:rPr lang="es-ES_tradnl" dirty="0" err="1"/>
-              <a:t>Banking</a:t>
-            </a:r>
-            <a:r>
-              <a:rPr lang="es-ES_tradnl" dirty="0"/>
-              <a:t> Sector</a:t>
-            </a:r>
-          </a:p>
-          <a:p>
-            <a:pPr marL="285750" indent="-285750">
-              <a:buFont typeface="Wingdings" pitchFamily="2" charset="2"/>
-              <a:buChar char="v"/>
-            </a:pPr>
-            <a:endParaRPr lang="es-ES_tradnl" dirty="0"/>
-          </a:p>
-          <a:p>
-            <a:pPr marL="285750" indent="-285750">
-              <a:buFont typeface="Wingdings" pitchFamily="2" charset="2"/>
-              <a:buChar char="v"/>
-            </a:pPr>
-            <a:r>
-              <a:rPr lang="es-ES_tradnl" dirty="0" err="1"/>
-              <a:t>Pharmaceuticals</a:t>
-            </a:r>
-            <a:endParaRPr lang="es-ES_tradnl" dirty="0"/>
-          </a:p>
-          <a:p>
-            <a:pPr marL="285750" indent="-285750">
-              <a:buFont typeface="Wingdings" pitchFamily="2" charset="2"/>
-              <a:buChar char="v"/>
-            </a:pPr>
-            <a:r>
-              <a:rPr lang="es-ES_tradnl" dirty="0" err="1"/>
-              <a:t>Wholesale</a:t>
-            </a:r>
-            <a:endParaRPr lang="es-ES_tradnl" dirty="0"/>
-          </a:p>
-          <a:p>
-            <a:pPr marL="285750" indent="-285750">
-              <a:buFont typeface="Wingdings" pitchFamily="2" charset="2"/>
-              <a:buChar char="v"/>
-            </a:pPr>
-            <a:r>
-              <a:rPr lang="es-ES_tradnl" dirty="0" err="1"/>
-              <a:t>Consumer</a:t>
-            </a:r>
-            <a:r>
-              <a:rPr lang="es-ES_tradnl" dirty="0"/>
-              <a:t> </a:t>
-            </a:r>
-            <a:r>
-              <a:rPr lang="es-ES_tradnl" dirty="0" err="1"/>
-              <a:t>Product</a:t>
-            </a:r>
-            <a:r>
-              <a:rPr lang="es-ES_tradnl" dirty="0"/>
-              <a:t> </a:t>
-            </a:r>
-            <a:r>
-              <a:rPr lang="es-ES_tradnl" dirty="0" err="1"/>
-              <a:t>Goods</a:t>
-            </a:r>
-            <a:endParaRPr lang="es-ES_tradnl" dirty="0"/>
-          </a:p>
-          <a:p>
-            <a:pPr marL="285750" indent="-285750">
-              <a:buFont typeface="Wingdings" pitchFamily="2" charset="2"/>
-              <a:buChar char="v"/>
-            </a:pPr>
-            <a:endParaRPr lang="es-ES_tradnl" dirty="0"/>
-          </a:p>
-          <a:p>
-            <a:pPr marL="285750" indent="-285750">
-              <a:buFont typeface="Wingdings" pitchFamily="2" charset="2"/>
-              <a:buChar char="v"/>
-            </a:pPr>
-            <a:r>
-              <a:rPr lang="es-ES_tradnl" dirty="0" err="1"/>
-              <a:t>Food</a:t>
-            </a:r>
-            <a:r>
-              <a:rPr lang="es-ES_tradnl" dirty="0"/>
-              <a:t> &amp; </a:t>
-            </a:r>
-            <a:r>
-              <a:rPr lang="es-ES_tradnl" dirty="0" err="1"/>
-              <a:t>Beverages</a:t>
-            </a:r>
-            <a:r>
-              <a:rPr lang="es-ES_tradnl" dirty="0"/>
-              <a:t> </a:t>
-            </a:r>
-          </a:p>
-          <a:p>
-            <a:pPr marL="285750" indent="-285750">
-              <a:buFont typeface="Wingdings" pitchFamily="2" charset="2"/>
-              <a:buChar char="v"/>
-            </a:pPr>
-            <a:r>
-              <a:rPr lang="es-ES_tradnl" dirty="0"/>
-              <a:t>Retail</a:t>
-            </a:r>
-          </a:p>
-          <a:p>
-            <a:pPr marL="285750" indent="-285750">
-              <a:buFont typeface="Wingdings" pitchFamily="2" charset="2"/>
-              <a:buChar char="v"/>
-            </a:pPr>
-            <a:r>
-              <a:rPr lang="es-ES_tradnl" dirty="0" err="1"/>
-              <a:t>Education</a:t>
-            </a:r>
-            <a:endParaRPr lang="es-ES_tradnl" dirty="0"/>
-          </a:p>
-          <a:p>
-            <a:pPr marL="285750" indent="-285750">
-              <a:buFont typeface="Wingdings" pitchFamily="2" charset="2"/>
-              <a:buChar char="v"/>
-            </a:pPr>
-            <a:endParaRPr lang="es-ES_tradnl" dirty="0"/>
-          </a:p>
-        </p:txBody>
-      </p:sp>
-      <p:sp>
-        <p:nvSpPr>
-          <p:cNvPr id="3" name="Slide Number Placeholder 2">
-            <a:extLst>
-              <a:ext uri="{FF2B5EF4-FFF2-40B4-BE49-F238E27FC236}">
-                <a16:creationId xmlns:a16="http://schemas.microsoft.com/office/drawing/2014/main" id="{2D23AE98-ADA5-7940-AEE1-6FC9077C0F60}"/>
-              </a:ext>
-            </a:extLst>
-          </p:cNvPr>
-          <p:cNvSpPr>
-            <a:spLocks noGrp="1"/>
-          </p:cNvSpPr>
-          <p:nvPr>
-            <p:ph type="sldNum" sz="quarter" idx="12"/>
-          </p:nvPr>
-        </p:nvSpPr>
-        <p:spPr/>
-        <p:txBody>
-          <a:bodyPr/>
-          <a:lstStyle/>
-          <a:p>
-            <a:fld id="{7532B6D1-D4F1-B842-A4F0-1D91C0E1E2FD}" type="slidenum">
-              <a:rPr lang="es-ES_tradnl" smtClean="0"/>
-              <a:t>28</a:t>
-            </a:fld>
-            <a:endParaRPr lang="es-ES_tradnl"/>
-          </a:p>
-        </p:txBody>
-      </p:sp>
-    </p:spTree>
-    <p:extLst>
-      <p:ext uri="{BB962C8B-B14F-4D97-AF65-F5344CB8AC3E}">
-        <p14:creationId xmlns:p14="http://schemas.microsoft.com/office/powerpoint/2010/main" val="2306085225"/>
-      </p:ext>
-    </p:extLst>
-  </p:cSld>
-  <p:clrMapOvr>
-    <a:masterClrMapping/>
-  </p:clrMapOvr>
 </p:sld>
 </file>
 
@@ -27824,7 +27803,7 @@
                   <a:srgbClr val="FFFFFF"/>
                 </a:solidFill>
               </a:rPr>
-              <a:t>ténicas</a:t>
+              <a:t>técnicas</a:t>
             </a:r>
             <a:endParaRPr lang="en-US" sz="4000" dirty="0">
               <a:solidFill>
@@ -28270,7 +28249,7 @@
           <p:nvPr>
             <p:extLst>
               <p:ext uri="{D42A27DB-BD31-4B8C-83A1-F6EECF244321}">
-                <p14:modId xmlns:p14="http://schemas.microsoft.com/office/powerpoint/2010/main" val="663820924"/>
+                <p14:modId xmlns:p14="http://schemas.microsoft.com/office/powerpoint/2010/main" val="3381555622"/>
               </p:ext>
             </p:extLst>
           </p:nvPr>
@@ -28318,7 +28297,7 @@
                       <a:r>
                         <a:rPr lang="es-ES" sz="1400" b="0" dirty="0" err="1">
                           <a:effectLst/>
-                          <a:latin typeface="Times New Roman" panose="02020603050405020304" pitchFamily="18" charset="0"/>
+                          <a:latin typeface="+mn-lt"/>
                           <a:ea typeface="Times New Roman" panose="02020603050405020304" pitchFamily="18" charset="0"/>
                         </a:rPr>
                         <a:t>Oil</a:t>
@@ -28326,7 +28305,7 @@
                       <a:r>
                         <a:rPr lang="es-ES" sz="1400" b="0" dirty="0">
                           <a:effectLst/>
-                          <a:latin typeface="Times New Roman" panose="02020603050405020304" pitchFamily="18" charset="0"/>
+                          <a:latin typeface="+mn-lt"/>
                           <a:ea typeface="Times New Roman" panose="02020603050405020304" pitchFamily="18" charset="0"/>
                         </a:rPr>
                         <a:t> &amp; </a:t>
@@ -28334,14 +28313,14 @@
                       <a:r>
                         <a:rPr lang="es-ES" sz="1400" b="0" dirty="0" err="1">
                           <a:effectLst/>
-                          <a:latin typeface="Times New Roman" panose="02020603050405020304" pitchFamily="18" charset="0"/>
+                          <a:latin typeface="+mn-lt"/>
                           <a:ea typeface="Times New Roman" panose="02020603050405020304" pitchFamily="18" charset="0"/>
                         </a:rPr>
                         <a:t>Energy</a:t>
                       </a:r>
                       <a:endParaRPr lang="en-US" sz="1400" b="0" dirty="0">
                         <a:effectLst/>
-                        <a:latin typeface="Times New Roman" panose="02020603050405020304" pitchFamily="18" charset="0"/>
+                        <a:latin typeface="+mn-lt"/>
                         <a:ea typeface="Times New Roman" panose="02020603050405020304" pitchFamily="18" charset="0"/>
                       </a:endParaRPr>
                     </a:p>
@@ -28608,7 +28587,7 @@
           <p:nvPr>
             <p:extLst>
               <p:ext uri="{D42A27DB-BD31-4B8C-83A1-F6EECF244321}">
-                <p14:modId xmlns:p14="http://schemas.microsoft.com/office/powerpoint/2010/main" val="1660114925"/>
+                <p14:modId xmlns:p14="http://schemas.microsoft.com/office/powerpoint/2010/main" val="3230657534"/>
               </p:ext>
             </p:extLst>
           </p:nvPr>
@@ -28656,18 +28635,20 @@
                       <a:r>
                         <a:rPr lang="es-ES" sz="1400" dirty="0">
                           <a:effectLst/>
+                          <a:latin typeface="+mn-lt"/>
                         </a:rPr>
                         <a:t>IT &amp; Telecom </a:t>
                       </a:r>
                       <a:r>
                         <a:rPr lang="es-ES" sz="1400" dirty="0" err="1">
                           <a:effectLst/>
+                          <a:latin typeface="+mn-lt"/>
                         </a:rPr>
                         <a:t>Services</a:t>
                       </a:r>
                       <a:endParaRPr lang="en-US" sz="1400" b="1" dirty="0">
                         <a:effectLst/>
-                        <a:latin typeface="Times New Roman" panose="02020603050405020304" pitchFamily="18" charset="0"/>
+                        <a:latin typeface="+mn-lt"/>
                         <a:ea typeface="Times New Roman" panose="02020603050405020304" pitchFamily="18" charset="0"/>
                       </a:endParaRPr>
                     </a:p>
@@ -28707,12 +28688,13 @@
                       <a:r>
                         <a:rPr lang="es-ES" sz="1400">
                           <a:effectLst/>
+                          <a:latin typeface="+mn-lt"/>
                         </a:rPr>
                         <a:t>Hard Skills</a:t>
                       </a:r>
                       <a:endParaRPr lang="en-US" sz="1400" b="1">
                         <a:effectLst/>
-                        <a:latin typeface="Times New Roman" panose="02020603050405020304" pitchFamily="18" charset="0"/>
+                        <a:latin typeface="+mn-lt"/>
                         <a:ea typeface="Times New Roman" panose="02020603050405020304" pitchFamily="18" charset="0"/>
                       </a:endParaRPr>
                     </a:p>
@@ -28735,12 +28717,13 @@
                       <a:r>
                         <a:rPr lang="es-ES" sz="1400">
                           <a:effectLst/>
+                          <a:latin typeface="+mn-lt"/>
                         </a:rPr>
                         <a:t>Soft skills</a:t>
                       </a:r>
                       <a:endParaRPr lang="en-US" sz="1400" b="1">
                         <a:effectLst/>
-                        <a:latin typeface="Times New Roman" panose="02020603050405020304" pitchFamily="18" charset="0"/>
+                        <a:latin typeface="+mn-lt"/>
                         <a:ea typeface="Times New Roman" panose="02020603050405020304" pitchFamily="18" charset="0"/>
                       </a:endParaRPr>
                     </a:p>
@@ -28770,7 +28753,7 @@
                       <a:r>
                         <a:rPr lang="en-US" sz="1400" dirty="0">
                           <a:effectLst/>
-                          <a:latin typeface="Times New Roman" panose="02020603050405020304" pitchFamily="18" charset="0"/>
+                          <a:latin typeface="+mn-lt"/>
                           <a:ea typeface="SimSun" panose="02010600030101010101" pitchFamily="2" charset="-122"/>
                         </a:rPr>
                         <a:t>1. Telecommunications (0.174)</a:t>
@@ -28788,7 +28771,7 @@
                       <a:r>
                         <a:rPr lang="en-US" sz="1400" dirty="0">
                           <a:effectLst/>
-                          <a:latin typeface="Times New Roman" panose="02020603050405020304" pitchFamily="18" charset="0"/>
+                          <a:latin typeface="+mn-lt"/>
                           <a:ea typeface="SimSun" panose="02010600030101010101" pitchFamily="2" charset="-122"/>
                         </a:rPr>
                         <a:t>2. Business Intelligence (BI) (0.039)</a:t>
@@ -28806,7 +28789,7 @@
                       <a:r>
                         <a:rPr lang="en-US" sz="1400" dirty="0">
                           <a:effectLst/>
-                          <a:latin typeface="Times New Roman" panose="02020603050405020304" pitchFamily="18" charset="0"/>
+                          <a:latin typeface="+mn-lt"/>
                           <a:ea typeface="SimSun" panose="02010600030101010101" pitchFamily="2" charset="-122"/>
                         </a:rPr>
                         <a:t>3. PHP (0.0268)</a:t>
@@ -28824,7 +28807,7 @@
                       <a:r>
                         <a:rPr lang="en-US" sz="1400" dirty="0">
                           <a:effectLst/>
-                          <a:latin typeface="Times New Roman" panose="02020603050405020304" pitchFamily="18" charset="0"/>
+                          <a:latin typeface="+mn-lt"/>
                           <a:ea typeface="SimSun" panose="02010600030101010101" pitchFamily="2" charset="-122"/>
                         </a:rPr>
                         <a:t>4. Networking (0.02077)</a:t>
@@ -28842,7 +28825,7 @@
                       <a:r>
                         <a:rPr lang="en-US" sz="1400" dirty="0">
                           <a:effectLst/>
-                          <a:latin typeface="Times New Roman" panose="02020603050405020304" pitchFamily="18" charset="0"/>
+                          <a:latin typeface="+mn-lt"/>
                           <a:ea typeface="SimSun" panose="02010600030101010101" pitchFamily="2" charset="-122"/>
                         </a:rPr>
                         <a:t>5. Internet Protocol (0.02044)</a:t>
@@ -28860,7 +28843,7 @@
                       <a:r>
                         <a:rPr lang="en-US" sz="1400" dirty="0">
                           <a:effectLst/>
-                          <a:latin typeface="Times New Roman" panose="02020603050405020304" pitchFamily="18" charset="0"/>
+                          <a:latin typeface="+mn-lt"/>
                           <a:ea typeface="SimSun" panose="02010600030101010101" pitchFamily="2" charset="-122"/>
                         </a:rPr>
                         <a:t>6. HTML5 (0.2)</a:t>
@@ -28878,7 +28861,7 @@
                       <a:r>
                         <a:rPr lang="en-US" sz="1400" dirty="0">
                           <a:effectLst/>
-                          <a:latin typeface="Times New Roman" panose="02020603050405020304" pitchFamily="18" charset="0"/>
+                          <a:latin typeface="+mn-lt"/>
                           <a:ea typeface="SimSun" panose="02010600030101010101" pitchFamily="2" charset="-122"/>
                         </a:rPr>
                         <a:t>7. SQL (0.018)</a:t>
@@ -28895,7 +28878,7 @@
                       </a:pPr>
                       <a:endParaRPr lang="en-US" sz="1400" dirty="0">
                         <a:effectLst/>
-                        <a:latin typeface="Times New Roman" panose="02020603050405020304" pitchFamily="18" charset="0"/>
+                        <a:latin typeface="+mn-lt"/>
                         <a:ea typeface="SimSun" panose="02010600030101010101" pitchFamily="2" charset="-122"/>
                       </a:endParaRPr>
                     </a:p>
@@ -28918,18 +28901,21 @@
                       <a:r>
                         <a:rPr lang="es-ES" sz="1400" dirty="0">
                           <a:effectLst/>
+                          <a:latin typeface="+mn-lt"/>
                         </a:rPr>
                         <a:t>1. </a:t>
                       </a:r>
                       <a:r>
                         <a:rPr lang="es-ES" sz="1400" dirty="0" err="1">
                           <a:effectLst/>
+                          <a:latin typeface="+mn-lt"/>
                         </a:rPr>
                         <a:t>Teaching</a:t>
                       </a:r>
                       <a:r>
                         <a:rPr lang="es-ES" sz="1400" dirty="0">
                           <a:effectLst/>
+                          <a:latin typeface="+mn-lt"/>
                         </a:rPr>
                         <a:t> (0.0087)</a:t>
                       </a:r>
@@ -28946,18 +28932,21 @@
                       <a:r>
                         <a:rPr lang="es-ES" sz="1400" dirty="0">
                           <a:effectLst/>
+                          <a:latin typeface="+mn-lt"/>
                         </a:rPr>
                         <a:t>2. Time </a:t>
                       </a:r>
                       <a:r>
                         <a:rPr lang="es-ES" sz="1400" dirty="0" err="1">
                           <a:effectLst/>
+                          <a:latin typeface="+mn-lt"/>
                         </a:rPr>
                         <a:t>management</a:t>
                       </a:r>
                       <a:r>
                         <a:rPr lang="es-ES" sz="1400" dirty="0">
                           <a:effectLst/>
+                          <a:latin typeface="+mn-lt"/>
                         </a:rPr>
                         <a:t> (0.0087)</a:t>
                       </a:r>
@@ -28974,18 +28963,21 @@
                       <a:r>
                         <a:rPr lang="es-ES" sz="1400" dirty="0">
                           <a:effectLst/>
+                          <a:latin typeface="+mn-lt"/>
                         </a:rPr>
                         <a:t>3. </a:t>
                       </a:r>
                       <a:r>
                         <a:rPr lang="es-ES" sz="1400" dirty="0" err="1">
                           <a:effectLst/>
+                          <a:latin typeface="+mn-lt"/>
                         </a:rPr>
                         <a:t>Leadership</a:t>
                       </a:r>
                       <a:r>
                         <a:rPr lang="es-ES" sz="1400" dirty="0">
                           <a:effectLst/>
+                          <a:latin typeface="+mn-lt"/>
                         </a:rPr>
                         <a:t> (0.007)(T)</a:t>
                       </a:r>
@@ -29533,7 +29525,7 @@
                   <a:srgbClr val="FFFFFF"/>
                 </a:solidFill>
               </a:rPr>
-              <a:t>ténicas</a:t>
+              <a:t>técnicas</a:t>
             </a:r>
             <a:endParaRPr lang="en-US" sz="4000" dirty="0">
               <a:solidFill>
@@ -30013,7 +30005,7 @@
           <p:nvPr>
             <p:extLst>
               <p:ext uri="{D42A27DB-BD31-4B8C-83A1-F6EECF244321}">
-                <p14:modId xmlns:p14="http://schemas.microsoft.com/office/powerpoint/2010/main" val="4199588718"/>
+                <p14:modId xmlns:p14="http://schemas.microsoft.com/office/powerpoint/2010/main" val="3205513433"/>
               </p:ext>
             </p:extLst>
           </p:nvPr>
@@ -30061,7 +30053,7 @@
                       <a:r>
                         <a:rPr lang="es-ES" sz="1400" b="0" dirty="0" err="1">
                           <a:effectLst/>
-                          <a:latin typeface="Times New Roman" panose="02020603050405020304" pitchFamily="18" charset="0"/>
+                          <a:latin typeface="+mn-lt"/>
                           <a:ea typeface="Times New Roman" panose="02020603050405020304" pitchFamily="18" charset="0"/>
                         </a:rPr>
                         <a:t>Finance</a:t>
@@ -30069,7 +30061,7 @@
                       <a:r>
                         <a:rPr lang="es-ES" sz="1400" b="0" dirty="0">
                           <a:effectLst/>
-                          <a:latin typeface="Times New Roman" panose="02020603050405020304" pitchFamily="18" charset="0"/>
+                          <a:latin typeface="+mn-lt"/>
                           <a:ea typeface="Times New Roman" panose="02020603050405020304" pitchFamily="18" charset="0"/>
                         </a:rPr>
                         <a:t> &amp; </a:t>
@@ -30077,7 +30069,7 @@
                       <a:r>
                         <a:rPr lang="es-ES" sz="1400" b="0" dirty="0" err="1">
                           <a:effectLst/>
-                          <a:latin typeface="Times New Roman" panose="02020603050405020304" pitchFamily="18" charset="0"/>
+                          <a:latin typeface="+mn-lt"/>
                           <a:ea typeface="Times New Roman" panose="02020603050405020304" pitchFamily="18" charset="0"/>
                         </a:rPr>
                         <a:t>Banking</a:t>
@@ -30085,14 +30077,14 @@
                       <a:r>
                         <a:rPr lang="es-ES" sz="1400" b="0" dirty="0">
                           <a:effectLst/>
-                          <a:latin typeface="Times New Roman" panose="02020603050405020304" pitchFamily="18" charset="0"/>
+                          <a:latin typeface="+mn-lt"/>
                           <a:ea typeface="Times New Roman" panose="02020603050405020304" pitchFamily="18" charset="0"/>
                         </a:rPr>
                         <a:t> Sector</a:t>
                       </a:r>
                       <a:endParaRPr lang="en-US" sz="1400" b="0" dirty="0">
                         <a:effectLst/>
-                        <a:latin typeface="Times New Roman" panose="02020603050405020304" pitchFamily="18" charset="0"/>
+                        <a:latin typeface="+mn-lt"/>
                         <a:ea typeface="Times New Roman" panose="02020603050405020304" pitchFamily="18" charset="0"/>
                       </a:endParaRPr>
                     </a:p>
@@ -32161,7 +32153,7 @@
           <p:nvPr>
             <p:extLst>
               <p:ext uri="{D42A27DB-BD31-4B8C-83A1-F6EECF244321}">
-                <p14:modId xmlns:p14="http://schemas.microsoft.com/office/powerpoint/2010/main" val="753043066"/>
+                <p14:modId xmlns:p14="http://schemas.microsoft.com/office/powerpoint/2010/main" val="1965438383"/>
               </p:ext>
             </p:extLst>
           </p:nvPr>
@@ -32209,7 +32201,7 @@
                       <a:r>
                         <a:rPr lang="en-US" sz="1400" b="0" dirty="0">
                           <a:effectLst/>
-                          <a:latin typeface="Times New Roman" panose="02020603050405020304" pitchFamily="18" charset="0"/>
+                          <a:latin typeface="+mn-lt"/>
                           <a:ea typeface="Times New Roman" panose="02020603050405020304" pitchFamily="18" charset="0"/>
                         </a:rPr>
                         <a:t>Consumer Product Goods</a:t>
@@ -32459,7 +32451,13 @@
           <p:cNvGraphicFramePr>
             <a:graphicFrameLocks/>
           </p:cNvGraphicFramePr>
-          <p:nvPr/>
+          <p:nvPr>
+            <p:extLst>
+              <p:ext uri="{D42A27DB-BD31-4B8C-83A1-F6EECF244321}">
+                <p14:modId xmlns:p14="http://schemas.microsoft.com/office/powerpoint/2010/main" val="3051671506"/>
+              </p:ext>
+            </p:extLst>
+          </p:nvPr>
         </p:nvGraphicFramePr>
         <p:xfrm>
           <a:off x="2713597" y="4270310"/>
@@ -32504,14 +32502,14 @@
                       <a:r>
                         <a:rPr lang="es-ES" sz="1400" b="0" dirty="0" err="1">
                           <a:effectLst/>
-                          <a:latin typeface="Times New Roman" panose="02020603050405020304" pitchFamily="18" charset="0"/>
+                          <a:latin typeface="+mn-lt"/>
                           <a:ea typeface="Times New Roman" panose="02020603050405020304" pitchFamily="18" charset="0"/>
                         </a:rPr>
                         <a:t>Wholesale</a:t>
                       </a:r>
                       <a:endParaRPr lang="en-US" sz="1400" b="0" dirty="0">
                         <a:effectLst/>
-                        <a:latin typeface="Times New Roman" panose="02020603050405020304" pitchFamily="18" charset="0"/>
+                        <a:latin typeface="+mn-lt"/>
                         <a:ea typeface="Times New Roman" panose="02020603050405020304" pitchFamily="18" charset="0"/>
                       </a:endParaRPr>
                     </a:p>
@@ -33409,7 +33407,7 @@
           <p:nvPr>
             <p:extLst>
               <p:ext uri="{D42A27DB-BD31-4B8C-83A1-F6EECF244321}">
-                <p14:modId xmlns:p14="http://schemas.microsoft.com/office/powerpoint/2010/main" val="797123973"/>
+                <p14:modId xmlns:p14="http://schemas.microsoft.com/office/powerpoint/2010/main" val="1584663836"/>
               </p:ext>
             </p:extLst>
           </p:nvPr>
@@ -33457,7 +33455,7 @@
                       <a:r>
                         <a:rPr lang="en-US" sz="1400" b="0" dirty="0">
                           <a:effectLst/>
-                          <a:latin typeface="Times New Roman" panose="02020603050405020304" pitchFamily="18" charset="0"/>
+                          <a:latin typeface="+mn-lt"/>
                           <a:ea typeface="Times New Roman" panose="02020603050405020304" pitchFamily="18" charset="0"/>
                         </a:rPr>
                         <a:t>Food &amp; Beverages</a:t>
@@ -33694,7 +33692,7 @@
           <p:nvPr>
             <p:extLst>
               <p:ext uri="{D42A27DB-BD31-4B8C-83A1-F6EECF244321}">
-                <p14:modId xmlns:p14="http://schemas.microsoft.com/office/powerpoint/2010/main" val="272267801"/>
+                <p14:modId xmlns:p14="http://schemas.microsoft.com/office/powerpoint/2010/main" val="4210045834"/>
               </p:ext>
             </p:extLst>
           </p:nvPr>
@@ -33742,14 +33740,14 @@
                       <a:r>
                         <a:rPr lang="es-ES" sz="1400" b="0" dirty="0">
                           <a:effectLst/>
-                          <a:latin typeface="Times New Roman" panose="02020603050405020304" pitchFamily="18" charset="0"/>
+                          <a:latin typeface="+mn-lt"/>
                           <a:ea typeface="Times New Roman" panose="02020603050405020304" pitchFamily="18" charset="0"/>
                         </a:rPr>
                         <a:t>Retail</a:t>
                       </a:r>
                       <a:endParaRPr lang="en-US" sz="1400" b="0" dirty="0">
                         <a:effectLst/>
-                        <a:latin typeface="Times New Roman" panose="02020603050405020304" pitchFamily="18" charset="0"/>
+                        <a:latin typeface="+mn-lt"/>
                         <a:ea typeface="Times New Roman" panose="02020603050405020304" pitchFamily="18" charset="0"/>
                       </a:endParaRPr>
                     </a:p>
@@ -34647,7 +34645,7 @@
           <p:nvPr>
             <p:extLst>
               <p:ext uri="{D42A27DB-BD31-4B8C-83A1-F6EECF244321}">
-                <p14:modId xmlns:p14="http://schemas.microsoft.com/office/powerpoint/2010/main" val="4008431935"/>
+                <p14:modId xmlns:p14="http://schemas.microsoft.com/office/powerpoint/2010/main" val="3678336776"/>
               </p:ext>
             </p:extLst>
           </p:nvPr>
@@ -34695,10 +34693,10 @@
                       <a:r>
                         <a:rPr lang="en-US" sz="1400" b="0" dirty="0">
                           <a:effectLst/>
-                          <a:latin typeface="Times New Roman" panose="02020603050405020304" pitchFamily="18" charset="0"/>
+                          <a:latin typeface="+mn-lt"/>
                           <a:ea typeface="Times New Roman" panose="02020603050405020304" pitchFamily="18" charset="0"/>
                         </a:rPr>
-                        <a:t>Food &amp; Beverages</a:t>
+                        <a:t>Education Management</a:t>
                       </a:r>
                     </a:p>
                   </a:txBody>
